--- a/material/slides/cad-design-specs.pptx
+++ b/material/slides/cad-design-specs.pptx
@@ -3294,7 +3294,7 @@
         <p:spPr>
           <a:xfrm>
             <a:off x="133816" y="4282071"/>
-            <a:ext cx="2219092" cy="584775"/>
+            <a:ext cx="2219092" cy="892552"/>
           </a:xfrm>
           <a:prstGeom prst="rect">
             <a:avLst/>
@@ -3311,7 +3311,14 @@
               <a:rPr lang="en-US" sz="3200" dirty="0" smtClean="0"/>
               <a:t>ROTOR</a:t>
             </a:r>
-            <a:endParaRPr lang="en-US" sz="3200" dirty="0"/>
+            <a:br>
+              <a:rPr lang="en-US" sz="3200" dirty="0" smtClean="0"/>
+            </a:br>
+            <a:r>
+              <a:rPr lang="en-US" sz="2000" dirty="0" smtClean="0"/>
+              <a:t>depth 12.1mm</a:t>
+            </a:r>
+            <a:endParaRPr lang="en-US" sz="2000" dirty="0"/>
           </a:p>
         </p:txBody>
       </p:sp>
@@ -3323,8 +3330,8 @@
         </p:nvSpPr>
         <p:spPr>
           <a:xfrm>
-            <a:off x="4196373" y="3013273"/>
-            <a:ext cx="3185734" cy="584775"/>
+            <a:off x="4196373" y="2667592"/>
+            <a:ext cx="3185734" cy="892552"/>
           </a:xfrm>
           <a:prstGeom prst="rect">
             <a:avLst/>
@@ -3339,9 +3346,24 @@
           <a:p>
             <a:r>
               <a:rPr lang="en-US" sz="3200" dirty="0" smtClean="0"/>
-              <a:t>SPEED REDUCER</a:t>
-            </a:r>
-            <a:endParaRPr lang="en-US" sz="3200" dirty="0"/>
+              <a:t>SPEED </a:t>
+            </a:r>
+            <a:r>
+              <a:rPr lang="en-US" sz="3200" dirty="0" smtClean="0"/>
+              <a:t>REDUCER</a:t>
+            </a:r>
+            <a:br>
+              <a:rPr lang="en-US" sz="3200" dirty="0" smtClean="0"/>
+            </a:br>
+            <a:r>
+              <a:rPr lang="en-US" sz="2000" dirty="0" smtClean="0"/>
+              <a:t>d</a:t>
+            </a:r>
+            <a:r>
+              <a:rPr lang="en-US" sz="2000" dirty="0" smtClean="0"/>
+              <a:t>epth 5.3mm</a:t>
+            </a:r>
+            <a:endParaRPr lang="en-US" sz="2000" dirty="0"/>
           </a:p>
         </p:txBody>
       </p:sp>
@@ -3354,7 +3376,7 @@
         <p:spPr>
           <a:xfrm>
             <a:off x="9620018" y="4929248"/>
-            <a:ext cx="2219092" cy="584775"/>
+            <a:ext cx="2219092" cy="892552"/>
           </a:xfrm>
           <a:prstGeom prst="rect">
             <a:avLst/>
@@ -3371,7 +3393,14 @@
               <a:rPr lang="en-US" sz="3200" dirty="0" smtClean="0"/>
               <a:t>BEARING</a:t>
             </a:r>
-            <a:endParaRPr lang="en-US" sz="3200" dirty="0"/>
+            <a:br>
+              <a:rPr lang="en-US" sz="3200" dirty="0" smtClean="0"/>
+            </a:br>
+            <a:r>
+              <a:rPr lang="en-US" sz="2000" dirty="0" smtClean="0"/>
+              <a:t>depth 3.5mm</a:t>
+            </a:r>
+            <a:endParaRPr lang="en-US" sz="2000" dirty="0"/>
           </a:p>
         </p:txBody>
       </p:sp>
@@ -3511,8 +3540,8 @@
         </p:nvSpPr>
         <p:spPr>
           <a:xfrm>
-            <a:off x="293449" y="2500318"/>
-            <a:ext cx="3185734" cy="584775"/>
+            <a:off x="293449" y="2366506"/>
+            <a:ext cx="3185734" cy="892552"/>
           </a:xfrm>
           <a:prstGeom prst="rect">
             <a:avLst/>
@@ -3527,9 +3556,19 @@
           <a:p>
             <a:r>
               <a:rPr lang="en-US" sz="3200" dirty="0" smtClean="0"/>
-              <a:t>SPEED REDUCER</a:t>
-            </a:r>
-            <a:endParaRPr lang="en-US" sz="3200" dirty="0"/>
+              <a:t>SPEED </a:t>
+            </a:r>
+            <a:r>
+              <a:rPr lang="en-US" sz="3200" dirty="0" smtClean="0"/>
+              <a:t>REDUCER</a:t>
+            </a:r>
+          </a:p>
+          <a:p>
+            <a:r>
+              <a:rPr lang="en-US" sz="2000" dirty="0" smtClean="0"/>
+              <a:t>depth 11mm</a:t>
+            </a:r>
+            <a:endParaRPr lang="en-US" sz="2000" dirty="0"/>
           </a:p>
         </p:txBody>
       </p:sp>
@@ -3542,7 +3581,7 @@
         <p:spPr>
           <a:xfrm>
             <a:off x="10489809" y="5648759"/>
-            <a:ext cx="1319327" cy="584775"/>
+            <a:ext cx="1486601" cy="892552"/>
           </a:xfrm>
           <a:prstGeom prst="rect">
             <a:avLst/>
@@ -3559,7 +3598,13 @@
               <a:rPr lang="en-US" sz="3200" dirty="0" smtClean="0"/>
               <a:t>CRIMP</a:t>
             </a:r>
-            <a:endParaRPr lang="en-US" sz="3200" dirty="0"/>
+          </a:p>
+          <a:p>
+            <a:r>
+              <a:rPr lang="en-US" sz="2000" dirty="0" smtClean="0"/>
+              <a:t>depth 6mm</a:t>
+            </a:r>
+            <a:endParaRPr lang="en-US" sz="2000" dirty="0"/>
           </a:p>
         </p:txBody>
       </p:sp>
@@ -3663,15 +3708,7 @@
           <a:p>
             <a:r>
               <a:rPr lang="en-US" sz="4000" dirty="0" smtClean="0"/>
-              <a:t>3</a:t>
-            </a:r>
-            <a:r>
-              <a:rPr lang="en-US" sz="4000" dirty="0" smtClean="0"/>
-              <a:t>_elbow </a:t>
-            </a:r>
-            <a:r>
-              <a:rPr lang="en-US" sz="4000" dirty="0" smtClean="0"/>
-              <a:t>shaft</a:t>
+              <a:t>3_elbow shaft</a:t>
             </a:r>
             <a:endParaRPr lang="en-US" sz="4000" dirty="0"/>
           </a:p>
@@ -3701,13 +3738,8 @@
           <a:p>
             <a:r>
               <a:rPr lang="en-US" dirty="0" smtClean="0"/>
-              <a:t>We need to </a:t>
-            </a:r>
-            <a:r>
-              <a:rPr lang="en-US" dirty="0" smtClean="0"/>
-              <a:t>support the shaft on both side with bearings.</a:t>
-            </a:r>
-            <a:endParaRPr lang="en-US" dirty="0" smtClean="0"/>
+              <a:t>We need to support the shaft on both side with bearings.</a:t>
+            </a:r>
           </a:p>
           <a:p>
             <a:r>
@@ -3821,66 +3853,6 @@
           </a:p>
         </p:txBody>
       </p:sp>
-      <p:sp>
-        <p:nvSpPr>
-          <p:cNvPr id="22" name="TextBox 21"/>
-          <p:cNvSpPr txBox="1"/>
-          <p:nvPr/>
-        </p:nvSpPr>
-        <p:spPr>
-          <a:xfrm>
-            <a:off x="4196373" y="3180539"/>
-            <a:ext cx="3185734" cy="584775"/>
-          </a:xfrm>
-          <a:prstGeom prst="rect">
-            <a:avLst/>
-          </a:prstGeom>
-          <a:noFill/>
-        </p:spPr>
-        <p:txBody>
-          <a:bodyPr wrap="square" rtlCol="0">
-            <a:spAutoFit/>
-          </a:bodyPr>
-          <a:lstStyle/>
-          <a:p>
-            <a:r>
-              <a:rPr lang="en-US" sz="3200" dirty="0" smtClean="0"/>
-              <a:t>CRIMP</a:t>
-            </a:r>
-            <a:endParaRPr lang="en-US" sz="3200" dirty="0"/>
-          </a:p>
-        </p:txBody>
-      </p:sp>
-      <p:sp>
-        <p:nvSpPr>
-          <p:cNvPr id="23" name="TextBox 22"/>
-          <p:cNvSpPr txBox="1"/>
-          <p:nvPr/>
-        </p:nvSpPr>
-        <p:spPr>
-          <a:xfrm>
-            <a:off x="10512116" y="4851191"/>
-            <a:ext cx="1709621" cy="584775"/>
-          </a:xfrm>
-          <a:prstGeom prst="rect">
-            <a:avLst/>
-          </a:prstGeom>
-          <a:noFill/>
-        </p:spPr>
-        <p:txBody>
-          <a:bodyPr wrap="square" rtlCol="0">
-            <a:spAutoFit/>
-          </a:bodyPr>
-          <a:lstStyle/>
-          <a:p>
-            <a:r>
-              <a:rPr lang="en-US" sz="3200" dirty="0" smtClean="0"/>
-              <a:t>BEARING</a:t>
-            </a:r>
-            <a:endParaRPr lang="en-US" sz="3200" dirty="0"/>
-          </a:p>
-        </p:txBody>
-      </p:sp>
       <p:pic>
         <p:nvPicPr>
           <p:cNvPr id="15" name="Picture 14"/>
@@ -3929,6 +3901,79 @@
           </a:prstGeom>
         </p:spPr>
       </p:pic>
+      <p:sp>
+        <p:nvSpPr>
+          <p:cNvPr id="11" name="TextBox 10"/>
+          <p:cNvSpPr txBox="1"/>
+          <p:nvPr/>
+        </p:nvSpPr>
+        <p:spPr>
+          <a:xfrm>
+            <a:off x="4356831" y="2787660"/>
+            <a:ext cx="1486601" cy="892552"/>
+          </a:xfrm>
+          <a:prstGeom prst="rect">
+            <a:avLst/>
+          </a:prstGeom>
+          <a:noFill/>
+        </p:spPr>
+        <p:txBody>
+          <a:bodyPr wrap="square" rtlCol="0">
+            <a:spAutoFit/>
+          </a:bodyPr>
+          <a:lstStyle/>
+          <a:p>
+            <a:r>
+              <a:rPr lang="en-US" sz="3200" dirty="0" smtClean="0"/>
+              <a:t>CRIMP</a:t>
+            </a:r>
+          </a:p>
+          <a:p>
+            <a:r>
+              <a:rPr lang="en-US" sz="2000" dirty="0" smtClean="0"/>
+              <a:t>depth 6mm</a:t>
+            </a:r>
+            <a:endParaRPr lang="en-US" sz="2000" dirty="0"/>
+          </a:p>
+        </p:txBody>
+      </p:sp>
+      <p:sp>
+        <p:nvSpPr>
+          <p:cNvPr id="12" name="TextBox 11"/>
+          <p:cNvSpPr txBox="1"/>
+          <p:nvPr/>
+        </p:nvSpPr>
+        <p:spPr>
+          <a:xfrm>
+            <a:off x="10441258" y="4929248"/>
+            <a:ext cx="1780477" cy="892552"/>
+          </a:xfrm>
+          <a:prstGeom prst="rect">
+            <a:avLst/>
+          </a:prstGeom>
+          <a:noFill/>
+        </p:spPr>
+        <p:txBody>
+          <a:bodyPr wrap="square" rtlCol="0">
+            <a:spAutoFit/>
+          </a:bodyPr>
+          <a:lstStyle/>
+          <a:p>
+            <a:r>
+              <a:rPr lang="en-US" sz="3200" dirty="0" smtClean="0"/>
+              <a:t>BEARING</a:t>
+            </a:r>
+            <a:br>
+              <a:rPr lang="en-US" sz="3200" dirty="0" smtClean="0"/>
+            </a:br>
+            <a:r>
+              <a:rPr lang="en-US" sz="2000" dirty="0" smtClean="0"/>
+              <a:t>depth 3.5mm</a:t>
+            </a:r>
+            <a:endParaRPr lang="en-US" sz="2000" dirty="0"/>
+          </a:p>
+        </p:txBody>
+      </p:sp>
     </p:spTree>
     <p:extLst>
       <p:ext uri="{BB962C8B-B14F-4D97-AF65-F5344CB8AC3E}">
@@ -3981,11 +4026,7 @@
           <a:p>
             <a:r>
               <a:rPr lang="en-US" sz="4000" dirty="0" smtClean="0"/>
-              <a:t>3</a:t>
-            </a:r>
-            <a:r>
-              <a:rPr lang="en-US" sz="4000" dirty="0" smtClean="0"/>
-              <a:t>_eye ball</a:t>
+              <a:t>3_eye ball</a:t>
             </a:r>
             <a:endParaRPr lang="en-US" sz="4000" dirty="0"/>
           </a:p>
@@ -4017,7 +4058,6 @@
               <a:rPr lang="en-US" dirty="0" smtClean="0"/>
               <a:t>We need to create a 41mm Ø hemisphere.</a:t>
             </a:r>
-            <a:endParaRPr lang="en-US" dirty="0" smtClean="0"/>
           </a:p>
           <a:p>
             <a:r>
